--- a/ACS/AC7/OPE_PlotTwist_AC07_V2.pptx
+++ b/ACS/AC7/OPE_PlotTwist_AC07_V2.pptx
@@ -247,7 +247,7 @@
           <a:p>
             <a:fld id="{92E422EF-B27F-4667-8CA7-4B1FA23F92F5}" type="datetimeFigureOut">
               <a:rPr lang="pt-BR" smtClean="0"/>
-              <a:t>18/05/2019</a:t>
+              <a:t>21/05/2019</a:t>
             </a:fld>
             <a:endParaRPr lang="pt-BR"/>
           </a:p>
@@ -415,7 +415,7 @@
           <a:p>
             <a:fld id="{92E422EF-B27F-4667-8CA7-4B1FA23F92F5}" type="datetimeFigureOut">
               <a:rPr lang="pt-BR" smtClean="0"/>
-              <a:t>18/05/2019</a:t>
+              <a:t>21/05/2019</a:t>
             </a:fld>
             <a:endParaRPr lang="pt-BR"/>
           </a:p>
@@ -593,7 +593,7 @@
           <a:p>
             <a:fld id="{92E422EF-B27F-4667-8CA7-4B1FA23F92F5}" type="datetimeFigureOut">
               <a:rPr lang="pt-BR" smtClean="0"/>
-              <a:t>18/05/2019</a:t>
+              <a:t>21/05/2019</a:t>
             </a:fld>
             <a:endParaRPr lang="pt-BR"/>
           </a:p>
@@ -761,7 +761,7 @@
           <a:p>
             <a:fld id="{92E422EF-B27F-4667-8CA7-4B1FA23F92F5}" type="datetimeFigureOut">
               <a:rPr lang="pt-BR" smtClean="0"/>
-              <a:t>18/05/2019</a:t>
+              <a:t>21/05/2019</a:t>
             </a:fld>
             <a:endParaRPr lang="pt-BR"/>
           </a:p>
@@ -1006,7 +1006,7 @@
           <a:p>
             <a:fld id="{92E422EF-B27F-4667-8CA7-4B1FA23F92F5}" type="datetimeFigureOut">
               <a:rPr lang="pt-BR" smtClean="0"/>
-              <a:t>18/05/2019</a:t>
+              <a:t>21/05/2019</a:t>
             </a:fld>
             <a:endParaRPr lang="pt-BR"/>
           </a:p>
@@ -1235,7 +1235,7 @@
           <a:p>
             <a:fld id="{92E422EF-B27F-4667-8CA7-4B1FA23F92F5}" type="datetimeFigureOut">
               <a:rPr lang="pt-BR" smtClean="0"/>
-              <a:t>18/05/2019</a:t>
+              <a:t>21/05/2019</a:t>
             </a:fld>
             <a:endParaRPr lang="pt-BR"/>
           </a:p>
@@ -1599,7 +1599,7 @@
           <a:p>
             <a:fld id="{92E422EF-B27F-4667-8CA7-4B1FA23F92F5}" type="datetimeFigureOut">
               <a:rPr lang="pt-BR" smtClean="0"/>
-              <a:t>18/05/2019</a:t>
+              <a:t>21/05/2019</a:t>
             </a:fld>
             <a:endParaRPr lang="pt-BR"/>
           </a:p>
@@ -1716,7 +1716,7 @@
           <a:p>
             <a:fld id="{92E422EF-B27F-4667-8CA7-4B1FA23F92F5}" type="datetimeFigureOut">
               <a:rPr lang="pt-BR" smtClean="0"/>
-              <a:t>18/05/2019</a:t>
+              <a:t>21/05/2019</a:t>
             </a:fld>
             <a:endParaRPr lang="pt-BR"/>
           </a:p>
@@ -1811,7 +1811,7 @@
           <a:p>
             <a:fld id="{92E422EF-B27F-4667-8CA7-4B1FA23F92F5}" type="datetimeFigureOut">
               <a:rPr lang="pt-BR" smtClean="0"/>
-              <a:t>18/05/2019</a:t>
+              <a:t>21/05/2019</a:t>
             </a:fld>
             <a:endParaRPr lang="pt-BR"/>
           </a:p>
@@ -2086,7 +2086,7 @@
           <a:p>
             <a:fld id="{92E422EF-B27F-4667-8CA7-4B1FA23F92F5}" type="datetimeFigureOut">
               <a:rPr lang="pt-BR" smtClean="0"/>
-              <a:t>18/05/2019</a:t>
+              <a:t>21/05/2019</a:t>
             </a:fld>
             <a:endParaRPr lang="pt-BR"/>
           </a:p>
@@ -2338,7 +2338,7 @@
           <a:p>
             <a:fld id="{92E422EF-B27F-4667-8CA7-4B1FA23F92F5}" type="datetimeFigureOut">
               <a:rPr lang="pt-BR" smtClean="0"/>
-              <a:t>18/05/2019</a:t>
+              <a:t>21/05/2019</a:t>
             </a:fld>
             <a:endParaRPr lang="pt-BR"/>
           </a:p>
@@ -2549,7 +2549,7 @@
           <a:p>
             <a:fld id="{92E422EF-B27F-4667-8CA7-4B1FA23F92F5}" type="datetimeFigureOut">
               <a:rPr lang="pt-BR" smtClean="0"/>
-              <a:t>18/05/2019</a:t>
+              <a:t>21/05/2019</a:t>
             </a:fld>
             <a:endParaRPr lang="pt-BR"/>
           </a:p>
@@ -3295,17 +3295,7 @@
             </a:pPr>
             <a:r>
               <a:rPr lang="pt-BR" dirty="0"/>
-              <a:t>Vendedor verifica os dados do Cliente;</a:t>
-            </a:r>
-          </a:p>
-          <a:p>
-            <a:pPr marL="285750" indent="-285750">
-              <a:buFont typeface="Arial" panose="020B0604020202020204" pitchFamily="34" charset="0"/>
-              <a:buChar char="•"/>
-            </a:pPr>
-            <a:r>
-              <a:rPr lang="pt-BR" dirty="0"/>
-              <a:t>Vendedor verifica pedido;</a:t>
+              <a:t>Vendedor escolhe o dia e informações do relatório;</a:t>
             </a:r>
           </a:p>
           <a:p>
@@ -3407,10 +3397,10 @@
       </p:sp>
       <p:pic>
         <p:nvPicPr>
-          <p:cNvPr id="4" name="Imagem 3">
+          <p:cNvPr id="3" name="Imagem 2">
             <a:extLst>
               <a:ext uri="{FF2B5EF4-FFF2-40B4-BE49-F238E27FC236}">
-                <a16:creationId xmlns:a16="http://schemas.microsoft.com/office/drawing/2014/main" id="{2A2EC13A-C370-4CA6-914A-2911115AE79E}"/>
+                <a16:creationId xmlns:a16="http://schemas.microsoft.com/office/drawing/2014/main" id="{9F1484D1-3FF7-429A-8D73-5D936E99EE44}"/>
               </a:ext>
             </a:extLst>
           </p:cNvPr>
@@ -3420,21 +3410,15 @@
           <p:nvPr/>
         </p:nvPicPr>
         <p:blipFill>
-          <a:blip r:embed="rId2">
-            <a:extLst>
-              <a:ext uri="{28A0092B-C50C-407E-A947-70E740481C1C}">
-                <a14:useLocalDpi xmlns:a14="http://schemas.microsoft.com/office/drawing/2010/main" val="0"/>
-              </a:ext>
-            </a:extLst>
-          </a:blip>
+          <a:blip r:embed="rId2"/>
           <a:stretch>
             <a:fillRect/>
           </a:stretch>
         </p:blipFill>
         <p:spPr>
           <a:xfrm>
-            <a:off x="704098" y="1440165"/>
-            <a:ext cx="5391902" cy="4639322"/>
+            <a:off x="719143" y="1374161"/>
+            <a:ext cx="5343525" cy="5076825"/>
           </a:xfrm>
           <a:prstGeom prst="rect">
             <a:avLst/>
@@ -3505,10 +3489,10 @@
       </p:sp>
       <p:pic>
         <p:nvPicPr>
-          <p:cNvPr id="2" name="Imagem 1">
+          <p:cNvPr id="3" name="Imagem 2">
             <a:extLst>
               <a:ext uri="{FF2B5EF4-FFF2-40B4-BE49-F238E27FC236}">
-                <a16:creationId xmlns:a16="http://schemas.microsoft.com/office/drawing/2014/main" id="{A6928F6E-CC26-4D69-B4F0-77E5D7CA7812}"/>
+                <a16:creationId xmlns:a16="http://schemas.microsoft.com/office/drawing/2014/main" id="{DB018D73-868A-4AE7-86C1-2CE72B21C517}"/>
               </a:ext>
             </a:extLst>
           </p:cNvPr>
@@ -3525,8 +3509,8 @@
         </p:blipFill>
         <p:spPr>
           <a:xfrm>
-            <a:off x="4192620" y="0"/>
-            <a:ext cx="7252221" cy="6858000"/>
+            <a:off x="3198922" y="238"/>
+            <a:ext cx="6574967" cy="6857761"/>
           </a:xfrm>
           <a:prstGeom prst="rect">
             <a:avLst/>

--- a/ACS/AC7/OPE_PlotTwist_AC07_V2.pptx
+++ b/ACS/AC7/OPE_PlotTwist_AC07_V2.pptx
@@ -3581,10 +3581,10 @@
       </p:sp>
       <p:pic>
         <p:nvPicPr>
-          <p:cNvPr id="2" name="Imagem 1">
+          <p:cNvPr id="3" name="Imagem 2">
             <a:extLst>
               <a:ext uri="{FF2B5EF4-FFF2-40B4-BE49-F238E27FC236}">
-                <a16:creationId xmlns:a16="http://schemas.microsoft.com/office/drawing/2014/main" id="{D06E2904-C964-4A0C-9C5D-A22A81C21A34}"/>
+                <a16:creationId xmlns:a16="http://schemas.microsoft.com/office/drawing/2014/main" id="{5244A529-BE4A-45D9-9B1A-D0E99149E118}"/>
               </a:ext>
             </a:extLst>
           </p:cNvPr>
@@ -3601,8 +3601,8 @@
         </p:blipFill>
         <p:spPr>
           <a:xfrm>
-            <a:off x="2803896" y="1663834"/>
-            <a:ext cx="6584207" cy="4011882"/>
+            <a:off x="2376289" y="1029730"/>
+            <a:ext cx="6872486" cy="4432857"/>
           </a:xfrm>
           <a:prstGeom prst="rect">
             <a:avLst/>

--- a/ACS/AC7/OPE_PlotTwist_AC07_V2.pptx
+++ b/ACS/AC7/OPE_PlotTwist_AC07_V2.pptx
@@ -247,7 +247,7 @@
           <a:p>
             <a:fld id="{92E422EF-B27F-4667-8CA7-4B1FA23F92F5}" type="datetimeFigureOut">
               <a:rPr lang="pt-BR" smtClean="0"/>
-              <a:t>21/05/2019</a:t>
+              <a:t>27/05/2019</a:t>
             </a:fld>
             <a:endParaRPr lang="pt-BR"/>
           </a:p>
@@ -415,7 +415,7 @@
           <a:p>
             <a:fld id="{92E422EF-B27F-4667-8CA7-4B1FA23F92F5}" type="datetimeFigureOut">
               <a:rPr lang="pt-BR" smtClean="0"/>
-              <a:t>21/05/2019</a:t>
+              <a:t>27/05/2019</a:t>
             </a:fld>
             <a:endParaRPr lang="pt-BR"/>
           </a:p>
@@ -593,7 +593,7 @@
           <a:p>
             <a:fld id="{92E422EF-B27F-4667-8CA7-4B1FA23F92F5}" type="datetimeFigureOut">
               <a:rPr lang="pt-BR" smtClean="0"/>
-              <a:t>21/05/2019</a:t>
+              <a:t>27/05/2019</a:t>
             </a:fld>
             <a:endParaRPr lang="pt-BR"/>
           </a:p>
@@ -761,7 +761,7 @@
           <a:p>
             <a:fld id="{92E422EF-B27F-4667-8CA7-4B1FA23F92F5}" type="datetimeFigureOut">
               <a:rPr lang="pt-BR" smtClean="0"/>
-              <a:t>21/05/2019</a:t>
+              <a:t>27/05/2019</a:t>
             </a:fld>
             <a:endParaRPr lang="pt-BR"/>
           </a:p>
@@ -1006,7 +1006,7 @@
           <a:p>
             <a:fld id="{92E422EF-B27F-4667-8CA7-4B1FA23F92F5}" type="datetimeFigureOut">
               <a:rPr lang="pt-BR" smtClean="0"/>
-              <a:t>21/05/2019</a:t>
+              <a:t>27/05/2019</a:t>
             </a:fld>
             <a:endParaRPr lang="pt-BR"/>
           </a:p>
@@ -1235,7 +1235,7 @@
           <a:p>
             <a:fld id="{92E422EF-B27F-4667-8CA7-4B1FA23F92F5}" type="datetimeFigureOut">
               <a:rPr lang="pt-BR" smtClean="0"/>
-              <a:t>21/05/2019</a:t>
+              <a:t>27/05/2019</a:t>
             </a:fld>
             <a:endParaRPr lang="pt-BR"/>
           </a:p>
@@ -1599,7 +1599,7 @@
           <a:p>
             <a:fld id="{92E422EF-B27F-4667-8CA7-4B1FA23F92F5}" type="datetimeFigureOut">
               <a:rPr lang="pt-BR" smtClean="0"/>
-              <a:t>21/05/2019</a:t>
+              <a:t>27/05/2019</a:t>
             </a:fld>
             <a:endParaRPr lang="pt-BR"/>
           </a:p>
@@ -1716,7 +1716,7 @@
           <a:p>
             <a:fld id="{92E422EF-B27F-4667-8CA7-4B1FA23F92F5}" type="datetimeFigureOut">
               <a:rPr lang="pt-BR" smtClean="0"/>
-              <a:t>21/05/2019</a:t>
+              <a:t>27/05/2019</a:t>
             </a:fld>
             <a:endParaRPr lang="pt-BR"/>
           </a:p>
@@ -1811,7 +1811,7 @@
           <a:p>
             <a:fld id="{92E422EF-B27F-4667-8CA7-4B1FA23F92F5}" type="datetimeFigureOut">
               <a:rPr lang="pt-BR" smtClean="0"/>
-              <a:t>21/05/2019</a:t>
+              <a:t>27/05/2019</a:t>
             </a:fld>
             <a:endParaRPr lang="pt-BR"/>
           </a:p>
@@ -2086,7 +2086,7 @@
           <a:p>
             <a:fld id="{92E422EF-B27F-4667-8CA7-4B1FA23F92F5}" type="datetimeFigureOut">
               <a:rPr lang="pt-BR" smtClean="0"/>
-              <a:t>21/05/2019</a:t>
+              <a:t>27/05/2019</a:t>
             </a:fld>
             <a:endParaRPr lang="pt-BR"/>
           </a:p>
@@ -2338,7 +2338,7 @@
           <a:p>
             <a:fld id="{92E422EF-B27F-4667-8CA7-4B1FA23F92F5}" type="datetimeFigureOut">
               <a:rPr lang="pt-BR" smtClean="0"/>
-              <a:t>21/05/2019</a:t>
+              <a:t>27/05/2019</a:t>
             </a:fld>
             <a:endParaRPr lang="pt-BR"/>
           </a:p>
@@ -2549,7 +2549,7 @@
           <a:p>
             <a:fld id="{92E422EF-B27F-4667-8CA7-4B1FA23F92F5}" type="datetimeFigureOut">
               <a:rPr lang="pt-BR" smtClean="0"/>
-              <a:t>21/05/2019</a:t>
+              <a:t>27/05/2019</a:t>
             </a:fld>
             <a:endParaRPr lang="pt-BR"/>
           </a:p>
@@ -3057,7 +3057,7 @@
           <p:cNvPr id="2" name="Título 1">
             <a:extLst>
               <a:ext uri="{FF2B5EF4-FFF2-40B4-BE49-F238E27FC236}">
-                <a16:creationId xmlns:a16="http://schemas.microsoft.com/office/drawing/2014/main" id="{41E35EBE-C448-4D39-83D1-DCD9B4281E8B}"/>
+                <a16:creationId xmlns="" xmlns:a16="http://schemas.microsoft.com/office/drawing/2014/main" id="{41E35EBE-C448-4D39-83D1-DCD9B4281E8B}"/>
               </a:ext>
             </a:extLst>
           </p:cNvPr>
@@ -3153,7 +3153,7 @@
           <p:cNvPr id="2" name="CaixaDeTexto 1">
             <a:extLst>
               <a:ext uri="{FF2B5EF4-FFF2-40B4-BE49-F238E27FC236}">
-                <a16:creationId xmlns:a16="http://schemas.microsoft.com/office/drawing/2014/main" id="{A6FC0499-E96B-4A57-A7DB-FD3AD7FFD1ED}"/>
+                <a16:creationId xmlns="" xmlns:a16="http://schemas.microsoft.com/office/drawing/2014/main" id="{A6FC0499-E96B-4A57-A7DB-FD3AD7FFD1ED}"/>
               </a:ext>
             </a:extLst>
           </p:cNvPr>
@@ -3191,7 +3191,7 @@
           <p:cNvPr id="33" name="CaixaDeTexto 32">
             <a:extLst>
               <a:ext uri="{FF2B5EF4-FFF2-40B4-BE49-F238E27FC236}">
-                <a16:creationId xmlns:a16="http://schemas.microsoft.com/office/drawing/2014/main" id="{9027796C-0961-46D1-8725-3389D2548B9E}"/>
+                <a16:creationId xmlns="" xmlns:a16="http://schemas.microsoft.com/office/drawing/2014/main" id="{9027796C-0961-46D1-8725-3389D2548B9E}"/>
               </a:ext>
             </a:extLst>
           </p:cNvPr>
@@ -3266,7 +3266,7 @@
           <p:cNvPr id="34" name="CaixaDeTexto 33">
             <a:extLst>
               <a:ext uri="{FF2B5EF4-FFF2-40B4-BE49-F238E27FC236}">
-                <a16:creationId xmlns:a16="http://schemas.microsoft.com/office/drawing/2014/main" id="{282A129C-45E2-42BD-ABC7-4E156E9B89CA}"/>
+                <a16:creationId xmlns="" xmlns:a16="http://schemas.microsoft.com/office/drawing/2014/main" id="{282A129C-45E2-42BD-ABC7-4E156E9B89CA}"/>
               </a:ext>
             </a:extLst>
           </p:cNvPr>
@@ -3276,7 +3276,7 @@
         <p:spPr>
           <a:xfrm>
             <a:off x="7078555" y="2989244"/>
-            <a:ext cx="4061637" cy="923330"/>
+            <a:ext cx="4061637" cy="1754326"/>
           </a:xfrm>
           <a:prstGeom prst="rect">
             <a:avLst/>
@@ -3295,8 +3295,13 @@
             </a:pPr>
             <a:r>
               <a:rPr lang="pt-BR" dirty="0"/>
-              <a:t>Vendedor escolhe o dia e informações do relatório;</a:t>
-            </a:r>
+              <a:t>Vendedor </a:t>
+            </a:r>
+            <a:r>
+              <a:rPr lang="pt-BR" dirty="0" smtClean="0"/>
+              <a:t>consulta dados do cliente em Cliente;</a:t>
+            </a:r>
+            <a:endParaRPr lang="pt-BR" dirty="0"/>
           </a:p>
           <a:p>
             <a:pPr marL="285750" indent="-285750">
@@ -3304,9 +3309,24 @@
               <a:buChar char="•"/>
             </a:pPr>
             <a:r>
-              <a:rPr lang="pt-BR" dirty="0"/>
-              <a:t>Vendedor gera relatório do dia;</a:t>
-            </a:r>
+              <a:rPr lang="pt-BR" dirty="0" smtClean="0"/>
+              <a:t>Vendedor consulta dados de pedido em Pedido;</a:t>
+            </a:r>
+          </a:p>
+          <a:p>
+            <a:pPr marL="285750" indent="-285750">
+              <a:buFont typeface="Arial" panose="020B0604020202020204" pitchFamily="34" charset="0"/>
+              <a:buChar char="•"/>
+            </a:pPr>
+            <a:r>
+              <a:rPr lang="pt-BR" dirty="0" smtClean="0"/>
+              <a:t>Vendedor armazena relatório </a:t>
+            </a:r>
+            <a:r>
+              <a:rPr lang="pt-BR" smtClean="0"/>
+              <a:t>em Relatório;</a:t>
+            </a:r>
+            <a:endParaRPr lang="pt-BR" dirty="0"/>
           </a:p>
         </p:txBody>
       </p:sp>
@@ -3315,7 +3335,7 @@
           <p:cNvPr id="35" name="Título 1">
             <a:extLst>
               <a:ext uri="{FF2B5EF4-FFF2-40B4-BE49-F238E27FC236}">
-                <a16:creationId xmlns:a16="http://schemas.microsoft.com/office/drawing/2014/main" id="{77CE2ED0-3A26-43BD-8017-2D08C9C12598}"/>
+                <a16:creationId xmlns="" xmlns:a16="http://schemas.microsoft.com/office/drawing/2014/main" id="{77CE2ED0-3A26-43BD-8017-2D08C9C12598}"/>
               </a:ext>
             </a:extLst>
           </p:cNvPr>
@@ -3400,7 +3420,7 @@
           <p:cNvPr id="3" name="Imagem 2">
             <a:extLst>
               <a:ext uri="{FF2B5EF4-FFF2-40B4-BE49-F238E27FC236}">
-                <a16:creationId xmlns:a16="http://schemas.microsoft.com/office/drawing/2014/main" id="{9F1484D1-3FF7-429A-8D73-5D936E99EE44}"/>
+                <a16:creationId xmlns="" xmlns:a16="http://schemas.microsoft.com/office/drawing/2014/main" id="{9F1484D1-3FF7-429A-8D73-5D936E99EE44}"/>
               </a:ext>
             </a:extLst>
           </p:cNvPr>
@@ -3455,62 +3475,30 @@
           <a:chExt cx="0" cy="0"/>
         </a:xfrm>
       </p:grpSpPr>
-      <p:sp>
-        <p:nvSpPr>
-          <p:cNvPr id="4" name="CaixaDeTexto 3"/>
-          <p:cNvSpPr txBox="1"/>
-          <p:nvPr/>
-        </p:nvSpPr>
-        <p:spPr>
-          <a:xfrm>
-            <a:off x="338203" y="488515"/>
-            <a:ext cx="2860720" cy="369332"/>
-          </a:xfrm>
-          <a:prstGeom prst="rect">
-            <a:avLst/>
-          </a:prstGeom>
-          <a:noFill/>
-        </p:spPr>
-        <p:txBody>
-          <a:bodyPr wrap="none" rtlCol="0">
-            <a:spAutoFit/>
-          </a:bodyPr>
-          <a:lstStyle/>
-          <a:p>
-            <a:r>
-              <a:rPr lang="pt-BR" b="1" dirty="0">
-                <a:latin typeface="Arial" panose="020B0604020202020204" pitchFamily="34" charset="0"/>
-                <a:cs typeface="Arial" panose="020B0604020202020204" pitchFamily="34" charset="0"/>
-              </a:rPr>
-              <a:t>Analise do Ciclo de Vida</a:t>
-            </a:r>
-          </a:p>
-        </p:txBody>
-      </p:sp>
       <p:pic>
         <p:nvPicPr>
-          <p:cNvPr id="3" name="Imagem 2">
-            <a:extLst>
-              <a:ext uri="{FF2B5EF4-FFF2-40B4-BE49-F238E27FC236}">
-                <a16:creationId xmlns:a16="http://schemas.microsoft.com/office/drawing/2014/main" id="{DB018D73-868A-4AE7-86C1-2CE72B21C517}"/>
-              </a:ext>
-            </a:extLst>
-          </p:cNvPr>
+          <p:cNvPr id="7" name="Imagem 6"/>
           <p:cNvPicPr>
             <a:picLocks noChangeAspect="1"/>
           </p:cNvPicPr>
           <p:nvPr/>
         </p:nvPicPr>
         <p:blipFill>
-          <a:blip r:embed="rId2"/>
+          <a:blip r:embed="rId2">
+            <a:extLst>
+              <a:ext uri="{28A0092B-C50C-407E-A947-70E740481C1C}">
+                <a14:useLocalDpi xmlns:a14="http://schemas.microsoft.com/office/drawing/2010/main" val="0"/>
+              </a:ext>
+            </a:extLst>
+          </a:blip>
           <a:stretch>
             <a:fillRect/>
           </a:stretch>
         </p:blipFill>
         <p:spPr>
           <a:xfrm>
-            <a:off x="3198922" y="238"/>
-            <a:ext cx="6574967" cy="6857761"/>
+            <a:off x="2662828" y="0"/>
+            <a:ext cx="6866343" cy="6858000"/>
           </a:xfrm>
           <a:prstGeom prst="rect">
             <a:avLst/>
@@ -3584,7 +3572,7 @@
           <p:cNvPr id="3" name="Imagem 2">
             <a:extLst>
               <a:ext uri="{FF2B5EF4-FFF2-40B4-BE49-F238E27FC236}">
-                <a16:creationId xmlns:a16="http://schemas.microsoft.com/office/drawing/2014/main" id="{5244A529-BE4A-45D9-9B1A-D0E99149E118}"/>
+                <a16:creationId xmlns="" xmlns:a16="http://schemas.microsoft.com/office/drawing/2014/main" id="{5244A529-BE4A-45D9-9B1A-D0E99149E118}"/>
               </a:ext>
             </a:extLst>
           </p:cNvPr>
@@ -3667,14 +3655,14 @@
                 <a:gridCol w="4064000">
                   <a:extLst>
                     <a:ext uri="{9D8B030D-6E8A-4147-A177-3AD203B41FA5}">
-                      <a16:colId xmlns:a16="http://schemas.microsoft.com/office/drawing/2014/main" val="20000"/>
+                      <a16:colId xmlns="" xmlns:a16="http://schemas.microsoft.com/office/drawing/2014/main" val="20000"/>
                     </a:ext>
                   </a:extLst>
                 </a:gridCol>
                 <a:gridCol w="4064000">
                   <a:extLst>
                     <a:ext uri="{9D8B030D-6E8A-4147-A177-3AD203B41FA5}">
-                      <a16:colId xmlns:a16="http://schemas.microsoft.com/office/drawing/2014/main" val="20001"/>
+                      <a16:colId xmlns="" xmlns:a16="http://schemas.microsoft.com/office/drawing/2014/main" val="20001"/>
                     </a:ext>
                   </a:extLst>
                 </a:gridCol>
@@ -3709,7 +3697,7 @@
                 </a:tc>
                 <a:extLst>
                   <a:ext uri="{0D108BD9-81ED-4DB2-BD59-A6C34878D82A}">
-                    <a16:rowId xmlns:a16="http://schemas.microsoft.com/office/drawing/2014/main" val="10000"/>
+                    <a16:rowId xmlns="" xmlns:a16="http://schemas.microsoft.com/office/drawing/2014/main" val="10000"/>
                   </a:ext>
                 </a:extLst>
               </a:tr>
@@ -3752,7 +3740,7 @@
                 </a:tc>
                 <a:extLst>
                   <a:ext uri="{0D108BD9-81ED-4DB2-BD59-A6C34878D82A}">
-                    <a16:rowId xmlns:a16="http://schemas.microsoft.com/office/drawing/2014/main" val="10001"/>
+                    <a16:rowId xmlns="" xmlns:a16="http://schemas.microsoft.com/office/drawing/2014/main" val="10001"/>
                   </a:ext>
                 </a:extLst>
               </a:tr>
@@ -3850,14 +3838,14 @@
                 <a:gridCol w="4064000">
                   <a:extLst>
                     <a:ext uri="{9D8B030D-6E8A-4147-A177-3AD203B41FA5}">
-                      <a16:colId xmlns:a16="http://schemas.microsoft.com/office/drawing/2014/main" val="20000"/>
+                      <a16:colId xmlns="" xmlns:a16="http://schemas.microsoft.com/office/drawing/2014/main" val="20000"/>
                     </a:ext>
                   </a:extLst>
                 </a:gridCol>
                 <a:gridCol w="4064000">
                   <a:extLst>
                     <a:ext uri="{9D8B030D-6E8A-4147-A177-3AD203B41FA5}">
-                      <a16:colId xmlns:a16="http://schemas.microsoft.com/office/drawing/2014/main" val="20001"/>
+                      <a16:colId xmlns="" xmlns:a16="http://schemas.microsoft.com/office/drawing/2014/main" val="20001"/>
                     </a:ext>
                   </a:extLst>
                 </a:gridCol>
@@ -3891,7 +3879,7 @@
                 </a:tc>
                 <a:extLst>
                   <a:ext uri="{0D108BD9-81ED-4DB2-BD59-A6C34878D82A}">
-                    <a16:rowId xmlns:a16="http://schemas.microsoft.com/office/drawing/2014/main" val="10000"/>
+                    <a16:rowId xmlns="" xmlns:a16="http://schemas.microsoft.com/office/drawing/2014/main" val="10000"/>
                   </a:ext>
                 </a:extLst>
               </a:tr>
@@ -3924,7 +3912,7 @@
                 </a:tc>
                 <a:extLst>
                   <a:ext uri="{0D108BD9-81ED-4DB2-BD59-A6C34878D82A}">
-                    <a16:rowId xmlns:a16="http://schemas.microsoft.com/office/drawing/2014/main" val="10001"/>
+                    <a16:rowId xmlns="" xmlns:a16="http://schemas.microsoft.com/office/drawing/2014/main" val="10001"/>
                   </a:ext>
                 </a:extLst>
               </a:tr>
@@ -3957,7 +3945,7 @@
                 </a:tc>
                 <a:extLst>
                   <a:ext uri="{0D108BD9-81ED-4DB2-BD59-A6C34878D82A}">
-                    <a16:rowId xmlns:a16="http://schemas.microsoft.com/office/drawing/2014/main" val="10002"/>
+                    <a16:rowId xmlns="" xmlns:a16="http://schemas.microsoft.com/office/drawing/2014/main" val="10002"/>
                   </a:ext>
                 </a:extLst>
               </a:tr>
